--- a/teaching/ITIS6200/2023fa/lectures/lec16.Denial of Service and Firewalls.pptx
+++ b/teaching/ITIS6200/2023fa/lectures/lec16.Denial of Service and Firewalls.pptx
@@ -11897,14 +11897,14 @@
               <a:buChar char="●"/>
             </a:pPr>
             <a:r>
-              <a:rPr lang="en" b="1"/>
+              <a:rPr lang="en" b="1" dirty="0"/>
               <a:t>Application-level DoS</a:t>
             </a:r>
             <a:r>
-              <a:rPr lang="en"/>
+              <a:rPr lang="en" dirty="0"/>
               <a:t>: Target the high-level application running on the host</a:t>
             </a:r>
-            <a:endParaRPr b="1"/>
+            <a:endParaRPr b="1" dirty="0"/>
           </a:p>
           <a:p>
             <a:pPr marL="457200" lvl="0" indent="-342900" algn="l" rtl="0">
@@ -11917,15 +11917,28 @@
               <a:buSzPts val="1800"/>
               <a:buChar char="●"/>
             </a:pPr>
-            <a:r>
-              <a:rPr lang="en" b="1"/>
+            <a:endParaRPr lang="en" b="1" dirty="0"/>
+          </a:p>
+          <a:p>
+            <a:pPr marL="457200" lvl="0" indent="-342900" algn="l" rtl="0">
+              <a:spcBef>
+                <a:spcPts val="0"/>
+              </a:spcBef>
+              <a:spcAft>
+                <a:spcPts val="0"/>
+              </a:spcAft>
+              <a:buSzPts val="1800"/>
+              <a:buChar char="●"/>
+            </a:pPr>
+            <a:r>
+              <a:rPr lang="en" b="1" dirty="0"/>
               <a:t>Network-level DoS</a:t>
             </a:r>
             <a:r>
-              <a:rPr lang="en"/>
+              <a:rPr lang="en" dirty="0"/>
               <a:t>: Target network protocols to affect the host’s Internet</a:t>
             </a:r>
-            <a:endParaRPr/>
+            <a:endParaRPr dirty="0"/>
           </a:p>
         </p:txBody>
       </p:sp>
@@ -11976,134 +11989,6 @@
   <p:clrMapOvr>
     <a:masterClrMapping/>
   </p:clrMapOvr>
-  <p:timing>
-    <p:tnLst>
-      <p:par>
-        <p:cTn id="1" dur="indefinite" restart="never" nodeType="tmRoot">
-          <p:childTnLst>
-            <p:seq concurrent="1" nextAc="seek">
-              <p:cTn id="2" dur="indefinite" nodeType="mainSeq">
-                <p:childTnLst>
-                  <p:par>
-                    <p:cTn id="3" fill="hold">
-                      <p:stCondLst>
-                        <p:cond delay="indefinite"/>
-                      </p:stCondLst>
-                      <p:childTnLst>
-                        <p:par>
-                          <p:cTn id="4" fill="hold">
-                            <p:stCondLst>
-                              <p:cond delay="0"/>
-                            </p:stCondLst>
-                            <p:childTnLst>
-                              <p:par>
-                                <p:cTn id="5" presetID="1" presetClass="entr" presetSubtype="0" fill="hold" nodeType="clickEffect">
-                                  <p:stCondLst>
-                                    <p:cond delay="0"/>
-                                  </p:stCondLst>
-                                  <p:childTnLst>
-                                    <p:set>
-                                      <p:cBhvr>
-                                        <p:cTn id="6" dur="1" fill="hold">
-                                          <p:stCondLst>
-                                            <p:cond delay="0"/>
-                                          </p:stCondLst>
-                                        </p:cTn>
-                                        <p:tgtEl>
-                                          <p:spTgt spid="144">
-                                            <p:txEl>
-                                              <p:pRg st="0" end="0"/>
-                                            </p:txEl>
-                                          </p:spTgt>
-                                        </p:tgtEl>
-                                        <p:attrNameLst>
-                                          <p:attrName>style.visibility</p:attrName>
-                                        </p:attrNameLst>
-                                      </p:cBhvr>
-                                      <p:to>
-                                        <p:strVal val="visible"/>
-                                      </p:to>
-                                    </p:set>
-                                  </p:childTnLst>
-                                </p:cTn>
-                              </p:par>
-                            </p:childTnLst>
-                          </p:cTn>
-                        </p:par>
-                      </p:childTnLst>
-                    </p:cTn>
-                  </p:par>
-                  <p:par>
-                    <p:cTn id="7" fill="hold">
-                      <p:stCondLst>
-                        <p:cond delay="indefinite"/>
-                      </p:stCondLst>
-                      <p:childTnLst>
-                        <p:par>
-                          <p:cTn id="8" fill="hold">
-                            <p:stCondLst>
-                              <p:cond delay="0"/>
-                            </p:stCondLst>
-                            <p:childTnLst>
-                              <p:par>
-                                <p:cTn id="9" presetID="1" presetClass="entr" presetSubtype="0" fill="hold" nodeType="clickEffect">
-                                  <p:stCondLst>
-                                    <p:cond delay="0"/>
-                                  </p:stCondLst>
-                                  <p:childTnLst>
-                                    <p:set>
-                                      <p:cBhvr>
-                                        <p:cTn id="10" dur="1" fill="hold">
-                                          <p:stCondLst>
-                                            <p:cond delay="0"/>
-                                          </p:stCondLst>
-                                        </p:cTn>
-                                        <p:tgtEl>
-                                          <p:spTgt spid="144">
-                                            <p:txEl>
-                                              <p:pRg st="1" end="1"/>
-                                            </p:txEl>
-                                          </p:spTgt>
-                                        </p:tgtEl>
-                                        <p:attrNameLst>
-                                          <p:attrName>style.visibility</p:attrName>
-                                        </p:attrNameLst>
-                                      </p:cBhvr>
-                                      <p:to>
-                                        <p:strVal val="visible"/>
-                                      </p:to>
-                                    </p:set>
-                                  </p:childTnLst>
-                                </p:cTn>
-                              </p:par>
-                            </p:childTnLst>
-                          </p:cTn>
-                        </p:par>
-                      </p:childTnLst>
-                    </p:cTn>
-                  </p:par>
-                </p:childTnLst>
-              </p:cTn>
-              <p:prevCondLst>
-                <p:cond evt="onPrev" delay="0">
-                  <p:tgtEl>
-                    <p:sldTgt/>
-                  </p:tgtEl>
-                </p:cond>
-              </p:prevCondLst>
-              <p:nextCondLst>
-                <p:cond evt="onNext" delay="0">
-                  <p:tgtEl>
-                    <p:sldTgt/>
-                  </p:tgtEl>
-                </p:cond>
-              </p:nextCondLst>
-            </p:seq>
-          </p:childTnLst>
-        </p:cTn>
-      </p:par>
-    </p:tnLst>
-  </p:timing>
 </p:sld>
 </file>
 
@@ -12407,183 +12292,6 @@
   <p:clrMapOvr>
     <a:masterClrMapping/>
   </p:clrMapOvr>
-  <p:timing>
-    <p:tnLst>
-      <p:par>
-        <p:cTn id="1" dur="indefinite" restart="never" nodeType="tmRoot">
-          <p:childTnLst>
-            <p:seq concurrent="1" nextAc="seek">
-              <p:cTn id="2" dur="indefinite" nodeType="mainSeq">
-                <p:childTnLst>
-                  <p:par>
-                    <p:cTn id="3" fill="hold">
-                      <p:stCondLst>
-                        <p:cond delay="indefinite"/>
-                      </p:stCondLst>
-                      <p:childTnLst>
-                        <p:par>
-                          <p:cTn id="4" fill="hold">
-                            <p:stCondLst>
-                              <p:cond delay="0"/>
-                            </p:stCondLst>
-                            <p:childTnLst>
-                              <p:par>
-                                <p:cTn id="5" presetID="1" presetClass="entr" presetSubtype="0" fill="hold" nodeType="clickEffect">
-                                  <p:stCondLst>
-                                    <p:cond delay="0"/>
-                                  </p:stCondLst>
-                                  <p:childTnLst>
-                                    <p:set>
-                                      <p:cBhvr>
-                                        <p:cTn id="6" dur="1" fill="hold">
-                                          <p:stCondLst>
-                                            <p:cond delay="0"/>
-                                          </p:stCondLst>
-                                        </p:cTn>
-                                        <p:tgtEl>
-                                          <p:spTgt spid="157">
-                                            <p:txEl>
-                                              <p:pRg st="0" end="0"/>
-                                            </p:txEl>
-                                          </p:spTgt>
-                                        </p:tgtEl>
-                                        <p:attrNameLst>
-                                          <p:attrName>style.visibility</p:attrName>
-                                        </p:attrNameLst>
-                                      </p:cBhvr>
-                                      <p:to>
-                                        <p:strVal val="visible"/>
-                                      </p:to>
-                                    </p:set>
-                                  </p:childTnLst>
-                                </p:cTn>
-                              </p:par>
-                            </p:childTnLst>
-                          </p:cTn>
-                        </p:par>
-                      </p:childTnLst>
-                    </p:cTn>
-                  </p:par>
-                  <p:par>
-                    <p:cTn id="7" fill="hold">
-                      <p:stCondLst>
-                        <p:cond delay="indefinite"/>
-                      </p:stCondLst>
-                      <p:childTnLst>
-                        <p:par>
-                          <p:cTn id="8" fill="hold">
-                            <p:stCondLst>
-                              <p:cond delay="0"/>
-                            </p:stCondLst>
-                            <p:childTnLst>
-                              <p:par>
-                                <p:cTn id="9" presetID="1" presetClass="entr" presetSubtype="0" fill="hold" nodeType="clickEffect">
-                                  <p:stCondLst>
-                                    <p:cond delay="0"/>
-                                  </p:stCondLst>
-                                  <p:childTnLst>
-                                    <p:set>
-                                      <p:cBhvr>
-                                        <p:cTn id="10" dur="1" fill="hold">
-                                          <p:stCondLst>
-                                            <p:cond delay="0"/>
-                                          </p:stCondLst>
-                                        </p:cTn>
-                                        <p:tgtEl>
-                                          <p:spTgt spid="157">
-                                            <p:txEl>
-                                              <p:pRg st="1" end="1"/>
-                                            </p:txEl>
-                                          </p:spTgt>
-                                        </p:tgtEl>
-                                        <p:attrNameLst>
-                                          <p:attrName>style.visibility</p:attrName>
-                                        </p:attrNameLst>
-                                      </p:cBhvr>
-                                      <p:to>
-                                        <p:strVal val="visible"/>
-                                      </p:to>
-                                    </p:set>
-                                  </p:childTnLst>
-                                </p:cTn>
-                              </p:par>
-                            </p:childTnLst>
-                          </p:cTn>
-                        </p:par>
-                      </p:childTnLst>
-                    </p:cTn>
-                  </p:par>
-                  <p:par>
-                    <p:cTn id="11" fill="hold">
-                      <p:stCondLst>
-                        <p:cond delay="indefinite"/>
-                      </p:stCondLst>
-                      <p:childTnLst>
-                        <p:par>
-                          <p:cTn id="12" fill="hold">
-                            <p:stCondLst>
-                              <p:cond delay="0"/>
-                            </p:stCondLst>
-                            <p:childTnLst>
-                              <p:par>
-                                <p:cTn id="13" presetID="1" presetClass="entr" presetSubtype="0" fill="hold" nodeType="clickEffect">
-                                  <p:stCondLst>
-                                    <p:cond delay="0"/>
-                                  </p:stCondLst>
-                                  <p:childTnLst>
-                                    <p:set>
-                                      <p:cBhvr>
-                                        <p:cTn id="14" dur="1" fill="hold">
-                                          <p:stCondLst>
-                                            <p:cond delay="0"/>
-                                          </p:stCondLst>
-                                        </p:cTn>
-                                        <p:tgtEl>
-                                          <p:spTgt spid="157">
-                                            <p:txEl>
-                                              <p:pRg st="2" end="2"/>
-                                            </p:txEl>
-                                          </p:spTgt>
-                                        </p:tgtEl>
-                                        <p:attrNameLst>
-                                          <p:attrName>style.visibility</p:attrName>
-                                        </p:attrNameLst>
-                                      </p:cBhvr>
-                                      <p:to>
-                                        <p:strVal val="visible"/>
-                                      </p:to>
-                                    </p:set>
-                                  </p:childTnLst>
-                                </p:cTn>
-                              </p:par>
-                            </p:childTnLst>
-                          </p:cTn>
-                        </p:par>
-                      </p:childTnLst>
-                    </p:cTn>
-                  </p:par>
-                </p:childTnLst>
-              </p:cTn>
-              <p:prevCondLst>
-                <p:cond evt="onPrev" delay="0">
-                  <p:tgtEl>
-                    <p:sldTgt/>
-                  </p:tgtEl>
-                </p:cond>
-              </p:prevCondLst>
-              <p:nextCondLst>
-                <p:cond evt="onNext" delay="0">
-                  <p:tgtEl>
-                    <p:sldTgt/>
-                  </p:tgtEl>
-                </p:cond>
-              </p:nextCondLst>
-            </p:seq>
-          </p:childTnLst>
-        </p:cTn>
-      </p:par>
-    </p:tnLst>
-  </p:timing>
 </p:sld>
 </file>
 
@@ -13363,55 +13071,6 @@
                                           </p:stCondLst>
                                         </p:cTn>
                                         <p:tgtEl>
-                                          <p:spTgt spid="164">
-                                            <p:txEl>
-                                              <p:pRg st="0" end="0"/>
-                                            </p:txEl>
-                                          </p:spTgt>
-                                        </p:tgtEl>
-                                        <p:attrNameLst>
-                                          <p:attrName>style.visibility</p:attrName>
-                                        </p:attrNameLst>
-                                      </p:cBhvr>
-                                      <p:to>
-                                        <p:strVal val="visible"/>
-                                      </p:to>
-                                    </p:set>
-                                  </p:childTnLst>
-                                </p:cTn>
-                              </p:par>
-                            </p:childTnLst>
-                          </p:cTn>
-                        </p:par>
-                      </p:childTnLst>
-                    </p:cTn>
-                  </p:par>
-                  <p:par>
-                    <p:cTn id="7" fill="hold">
-                      <p:stCondLst>
-                        <p:cond delay="indefinite"/>
-                      </p:stCondLst>
-                      <p:childTnLst>
-                        <p:par>
-                          <p:cTn id="8" fill="hold">
-                            <p:stCondLst>
-                              <p:cond delay="0"/>
-                            </p:stCondLst>
-                            <p:childTnLst>
-                              <p:par>
-                                <p:cTn id="9" presetID="1" presetClass="entr" presetSubtype="0" fill="hold" nodeType="clickEffect">
-                                  <p:stCondLst>
-                                    <p:cond delay="0"/>
-                                  </p:stCondLst>
-                                  <p:childTnLst>
-                                    <p:set>
-                                      <p:cBhvr>
-                                        <p:cTn id="10" dur="1" fill="hold">
-                                          <p:stCondLst>
-                                            <p:cond delay="0"/>
-                                          </p:stCondLst>
-                                        </p:cTn>
-                                        <p:tgtEl>
                                           <p:spTgt spid="166"/>
                                         </p:tgtEl>
                                         <p:attrNameLst>
@@ -13426,14 +13085,14 @@
                                 </p:cTn>
                               </p:par>
                               <p:par>
-                                <p:cTn id="11" presetID="1" presetClass="entr" presetSubtype="0" fill="hold" nodeType="withEffect">
+                                <p:cTn id="7" presetID="1" presetClass="entr" presetSubtype="0" fill="hold" nodeType="withEffect">
                                   <p:stCondLst>
                                     <p:cond delay="0"/>
                                   </p:stCondLst>
                                   <p:childTnLst>
                                     <p:set>
                                       <p:cBhvr>
-                                        <p:cTn id="12" dur="1" fill="hold">
+                                        <p:cTn id="8" dur="1" fill="hold">
                                           <p:stCondLst>
                                             <p:cond delay="0"/>
                                           </p:stCondLst>
@@ -13459,26 +13118,26 @@
                     </p:cTn>
                   </p:par>
                   <p:par>
-                    <p:cTn id="13" fill="hold">
+                    <p:cTn id="9" fill="hold">
                       <p:stCondLst>
                         <p:cond delay="indefinite"/>
                       </p:stCondLst>
                       <p:childTnLst>
                         <p:par>
-                          <p:cTn id="14" fill="hold">
+                          <p:cTn id="10" fill="hold">
                             <p:stCondLst>
                               <p:cond delay="0"/>
                             </p:stCondLst>
                             <p:childTnLst>
                               <p:par>
-                                <p:cTn id="15" presetID="1" presetClass="entr" presetSubtype="0" fill="hold" nodeType="clickEffect">
+                                <p:cTn id="11" presetID="1" presetClass="entr" presetSubtype="0" fill="hold" nodeType="clickEffect">
                                   <p:stCondLst>
                                     <p:cond delay="0"/>
                                   </p:stCondLst>
                                   <p:childTnLst>
                                     <p:set>
                                       <p:cBhvr>
-                                        <p:cTn id="16" dur="1" fill="hold">
+                                        <p:cTn id="12" dur="1" fill="hold">
                                           <p:stCondLst>
                                             <p:cond delay="0"/>
                                           </p:stCondLst>
@@ -13498,14 +13157,14 @@
                                 </p:cTn>
                               </p:par>
                               <p:par>
-                                <p:cTn id="17" presetID="1" presetClass="entr" presetSubtype="0" fill="hold" nodeType="withEffect">
+                                <p:cTn id="13" presetID="1" presetClass="entr" presetSubtype="0" fill="hold" nodeType="withEffect">
                                   <p:stCondLst>
                                     <p:cond delay="0"/>
                                   </p:stCondLst>
                                   <p:childTnLst>
                                     <p:set>
                                       <p:cBhvr>
-                                        <p:cTn id="18" dur="1" fill="hold">
+                                        <p:cTn id="14" dur="1" fill="hold">
                                           <p:stCondLst>
                                             <p:cond delay="0"/>
                                           </p:stCondLst>
@@ -13531,26 +13190,26 @@
                     </p:cTn>
                   </p:par>
                   <p:par>
-                    <p:cTn id="19" fill="hold">
+                    <p:cTn id="15" fill="hold">
                       <p:stCondLst>
                         <p:cond delay="indefinite"/>
                       </p:stCondLst>
                       <p:childTnLst>
                         <p:par>
-                          <p:cTn id="20" fill="hold">
+                          <p:cTn id="16" fill="hold">
                             <p:stCondLst>
                               <p:cond delay="0"/>
                             </p:stCondLst>
                             <p:childTnLst>
                               <p:par>
-                                <p:cTn id="21" presetID="1" presetClass="entr" presetSubtype="0" fill="hold" nodeType="clickEffect">
+                                <p:cTn id="17" presetID="1" presetClass="entr" presetSubtype="0" fill="hold" nodeType="clickEffect">
                                   <p:stCondLst>
                                     <p:cond delay="0"/>
                                   </p:stCondLst>
                                   <p:childTnLst>
                                     <p:set>
                                       <p:cBhvr>
-                                        <p:cTn id="22" dur="1" fill="hold">
+                                        <p:cTn id="18" dur="1" fill="hold">
                                           <p:stCondLst>
                                             <p:cond delay="0"/>
                                           </p:stCondLst>
@@ -13570,14 +13229,14 @@
                                 </p:cTn>
                               </p:par>
                               <p:par>
-                                <p:cTn id="23" presetID="1" presetClass="entr" presetSubtype="0" fill="hold" nodeType="withEffect">
+                                <p:cTn id="19" presetID="1" presetClass="entr" presetSubtype="0" fill="hold" nodeType="withEffect">
                                   <p:stCondLst>
                                     <p:cond delay="0"/>
                                   </p:stCondLst>
                                   <p:childTnLst>
                                     <p:set>
                                       <p:cBhvr>
-                                        <p:cTn id="24" dur="1" fill="hold">
+                                        <p:cTn id="20" dur="1" fill="hold">
                                           <p:stCondLst>
                                             <p:cond delay="0"/>
                                           </p:stCondLst>
@@ -13603,26 +13262,26 @@
                     </p:cTn>
                   </p:par>
                   <p:par>
-                    <p:cTn id="25" fill="hold">
+                    <p:cTn id="21" fill="hold">
                       <p:stCondLst>
                         <p:cond delay="indefinite"/>
                       </p:stCondLst>
                       <p:childTnLst>
                         <p:par>
-                          <p:cTn id="26" fill="hold">
+                          <p:cTn id="22" fill="hold">
                             <p:stCondLst>
                               <p:cond delay="0"/>
                             </p:stCondLst>
                             <p:childTnLst>
                               <p:par>
-                                <p:cTn id="27" presetID="1" presetClass="entr" presetSubtype="0" fill="hold" nodeType="clickEffect">
+                                <p:cTn id="23" presetID="1" presetClass="entr" presetSubtype="0" fill="hold" nodeType="clickEffect">
                                   <p:stCondLst>
                                     <p:cond delay="0"/>
                                   </p:stCondLst>
                                   <p:childTnLst>
                                     <p:set>
                                       <p:cBhvr>
-                                        <p:cTn id="28" dur="1" fill="hold">
+                                        <p:cTn id="24" dur="1" fill="hold">
                                           <p:stCondLst>
                                             <p:cond delay="0"/>
                                           </p:stCondLst>
@@ -13642,14 +13301,14 @@
                                 </p:cTn>
                               </p:par>
                               <p:par>
-                                <p:cTn id="29" presetID="1" presetClass="entr" presetSubtype="0" fill="hold" nodeType="withEffect">
+                                <p:cTn id="25" presetID="1" presetClass="entr" presetSubtype="0" fill="hold" nodeType="withEffect">
                                   <p:stCondLst>
                                     <p:cond delay="0"/>
                                   </p:stCondLst>
                                   <p:childTnLst>
                                     <p:set>
                                       <p:cBhvr>
-                                        <p:cTn id="30" dur="1" fill="hold">
+                                        <p:cTn id="26" dur="1" fill="hold">
                                           <p:stCondLst>
                                             <p:cond delay="0"/>
                                           </p:stCondLst>
@@ -13923,7 +13582,7 @@
         </p:nvGraphicFramePr>
         <p:xfrm>
           <a:off x="2243750" y="3474600"/>
-          <a:ext cx="3000000" cy="3000000"/>
+          <a:ext cx="4656500" cy="1188630"/>
         </p:xfrm>
         <a:graphic>
           <a:graphicData uri="http://schemas.openxmlformats.org/drawingml/2006/table">
@@ -14370,33 +14029,15 @@
                                   </p:childTnLst>
                                 </p:cTn>
                               </p:par>
-                            </p:childTnLst>
-                          </p:cTn>
-                        </p:par>
-                      </p:childTnLst>
-                    </p:cTn>
-                  </p:par>
-                  <p:par>
-                    <p:cTn id="7" fill="hold">
-                      <p:stCondLst>
-                        <p:cond delay="indefinite"/>
-                      </p:stCondLst>
-                      <p:childTnLst>
-                        <p:par>
-                          <p:cTn id="8" fill="hold">
-                            <p:stCondLst>
-                              <p:cond delay="0"/>
-                            </p:stCondLst>
-                            <p:childTnLst>
                               <p:par>
-                                <p:cTn id="9" presetID="1" presetClass="entr" presetSubtype="0" fill="hold" nodeType="clickEffect">
+                                <p:cTn id="7" presetID="1" presetClass="entr" presetSubtype="0" fill="hold" nodeType="withEffect">
                                   <p:stCondLst>
                                     <p:cond delay="0"/>
                                   </p:stCondLst>
                                   <p:childTnLst>
                                     <p:set>
                                       <p:cBhvr>
-                                        <p:cTn id="10" dur="1" fill="hold">
+                                        <p:cTn id="8" dur="1" fill="hold">
                                           <p:stCondLst>
                                             <p:cond delay="0"/>
                                           </p:stCondLst>
@@ -14426,26 +14067,26 @@
                     </p:cTn>
                   </p:par>
                   <p:par>
-                    <p:cTn id="11" fill="hold">
+                    <p:cTn id="9" fill="hold">
                       <p:stCondLst>
                         <p:cond delay="indefinite"/>
                       </p:stCondLst>
                       <p:childTnLst>
                         <p:par>
-                          <p:cTn id="12" fill="hold">
+                          <p:cTn id="10" fill="hold">
                             <p:stCondLst>
                               <p:cond delay="0"/>
                             </p:stCondLst>
                             <p:childTnLst>
                               <p:par>
-                                <p:cTn id="13" presetID="1" presetClass="entr" presetSubtype="0" fill="hold" nodeType="clickEffect">
+                                <p:cTn id="11" presetID="1" presetClass="entr" presetSubtype="0" fill="hold" nodeType="clickEffect">
                                   <p:stCondLst>
                                     <p:cond delay="0"/>
                                   </p:stCondLst>
                                   <p:childTnLst>
                                     <p:set>
                                       <p:cBhvr>
-                                        <p:cTn id="14" dur="1" fill="hold">
+                                        <p:cTn id="12" dur="1" fill="hold">
                                           <p:stCondLst>
                                             <p:cond delay="0"/>
                                           </p:stCondLst>
@@ -14468,33 +14109,15 @@
                                   </p:childTnLst>
                                 </p:cTn>
                               </p:par>
-                            </p:childTnLst>
-                          </p:cTn>
-                        </p:par>
-                      </p:childTnLst>
-                    </p:cTn>
-                  </p:par>
-                  <p:par>
-                    <p:cTn id="15" fill="hold">
-                      <p:stCondLst>
-                        <p:cond delay="indefinite"/>
-                      </p:stCondLst>
-                      <p:childTnLst>
-                        <p:par>
-                          <p:cTn id="16" fill="hold">
-                            <p:stCondLst>
-                              <p:cond delay="0"/>
-                            </p:stCondLst>
-                            <p:childTnLst>
                               <p:par>
-                                <p:cTn id="17" presetID="1" presetClass="entr" presetSubtype="0" fill="hold" nodeType="clickEffect">
+                                <p:cTn id="13" presetID="1" presetClass="entr" presetSubtype="0" fill="hold" nodeType="withEffect">
                                   <p:stCondLst>
                                     <p:cond delay="0"/>
                                   </p:stCondLst>
                                   <p:childTnLst>
                                     <p:set>
                                       <p:cBhvr>
-                                        <p:cTn id="18" dur="1" fill="hold">
+                                        <p:cTn id="14" dur="1" fill="hold">
                                           <p:stCondLst>
                                             <p:cond delay="0"/>
                                           </p:stCondLst>
@@ -14517,33 +14140,15 @@
                                   </p:childTnLst>
                                 </p:cTn>
                               </p:par>
-                            </p:childTnLst>
-                          </p:cTn>
-                        </p:par>
-                      </p:childTnLst>
-                    </p:cTn>
-                  </p:par>
-                  <p:par>
-                    <p:cTn id="19" fill="hold">
-                      <p:stCondLst>
-                        <p:cond delay="indefinite"/>
-                      </p:stCondLst>
-                      <p:childTnLst>
-                        <p:par>
-                          <p:cTn id="20" fill="hold">
-                            <p:stCondLst>
-                              <p:cond delay="0"/>
-                            </p:stCondLst>
-                            <p:childTnLst>
                               <p:par>
-                                <p:cTn id="21" presetID="1" presetClass="entr" presetSubtype="0" fill="hold" nodeType="clickEffect">
+                                <p:cTn id="15" presetID="1" presetClass="entr" presetSubtype="0" fill="hold" nodeType="withEffect">
                                   <p:stCondLst>
                                     <p:cond delay="0"/>
                                   </p:stCondLst>
                                   <p:childTnLst>
                                     <p:set>
                                       <p:cBhvr>
-                                        <p:cTn id="22" dur="1" fill="hold">
+                                        <p:cTn id="16" dur="1" fill="hold">
                                           <p:stCondLst>
                                             <p:cond delay="0"/>
                                           </p:stCondLst>
@@ -14573,26 +14178,26 @@
                     </p:cTn>
                   </p:par>
                   <p:par>
-                    <p:cTn id="23" fill="hold">
+                    <p:cTn id="17" fill="hold">
                       <p:stCondLst>
                         <p:cond delay="indefinite"/>
                       </p:stCondLst>
                       <p:childTnLst>
                         <p:par>
-                          <p:cTn id="24" fill="hold">
+                          <p:cTn id="18" fill="hold">
                             <p:stCondLst>
                               <p:cond delay="0"/>
                             </p:stCondLst>
                             <p:childTnLst>
                               <p:par>
-                                <p:cTn id="25" presetID="1" presetClass="entr" presetSubtype="0" fill="hold" nodeType="clickEffect">
+                                <p:cTn id="19" presetID="1" presetClass="entr" presetSubtype="0" fill="hold" nodeType="clickEffect">
                                   <p:stCondLst>
                                     <p:cond delay="0"/>
                                   </p:stCondLst>
                                   <p:childTnLst>
                                     <p:set>
                                       <p:cBhvr>
-                                        <p:cTn id="26" dur="1" fill="hold">
+                                        <p:cTn id="20" dur="1" fill="hold">
                                           <p:stCondLst>
                                             <p:cond delay="0"/>
                                           </p:stCondLst>
@@ -14737,14 +14342,14 @@
               <a:buChar char="●"/>
             </a:pPr>
             <a:r>
-              <a:rPr lang="en" b="1"/>
+              <a:rPr lang="en" b="1" dirty="0"/>
               <a:t>Identification</a:t>
             </a:r>
             <a:r>
-              <a:rPr lang="en"/>
+              <a:rPr lang="en" dirty="0"/>
               <a:t>: Step 0 of any defense</a:t>
             </a:r>
-            <a:endParaRPr/>
+            <a:endParaRPr dirty="0"/>
           </a:p>
           <a:p>
             <a:pPr marL="914400" lvl="1" indent="-317500" algn="l" rtl="0">
@@ -14758,10 +14363,10 @@
               <a:buChar char="○"/>
             </a:pPr>
             <a:r>
-              <a:rPr lang="en"/>
+              <a:rPr lang="en" dirty="0"/>
               <a:t>You must be able to distinguish requests from different users before you can do anything else!</a:t>
             </a:r>
-            <a:endParaRPr sz="1800"/>
+            <a:endParaRPr sz="1800" dirty="0"/>
           </a:p>
           <a:p>
             <a:pPr marL="914400" lvl="1" indent="-317500" algn="l" rtl="0">
@@ -14775,10 +14380,10 @@
               <a:buChar char="○"/>
             </a:pPr>
             <a:r>
-              <a:rPr lang="en"/>
+              <a:rPr lang="en" dirty="0"/>
               <a:t>Requires some method to identify/authenticate users</a:t>
             </a:r>
-            <a:endParaRPr/>
+            <a:endParaRPr dirty="0"/>
           </a:p>
           <a:p>
             <a:pPr marL="914400" lvl="1" indent="-317500" algn="l" rtl="0">
@@ -14792,10 +14397,10 @@
               <a:buChar char="○"/>
             </a:pPr>
             <a:r>
-              <a:rPr lang="en"/>
+              <a:rPr lang="en" dirty="0"/>
               <a:t>Authenticating users might be expensive and itself vulnerable to DoS</a:t>
             </a:r>
-            <a:endParaRPr/>
+            <a:endParaRPr dirty="0"/>
           </a:p>
           <a:p>
             <a:pPr marL="457200" lvl="0" indent="-342900" algn="l" rtl="0">
@@ -14809,14 +14414,14 @@
               <a:buChar char="●"/>
             </a:pPr>
             <a:r>
-              <a:rPr lang="en" b="1"/>
+              <a:rPr lang="en" b="1" dirty="0"/>
               <a:t>Isolation</a:t>
             </a:r>
             <a:r>
-              <a:rPr lang="en"/>
+              <a:rPr lang="en" dirty="0"/>
               <a:t>: Ensure that one user’s actions do not affect another user’s experience</a:t>
             </a:r>
-            <a:endParaRPr/>
+            <a:endParaRPr dirty="0"/>
           </a:p>
           <a:p>
             <a:pPr marL="457200" lvl="0" indent="-342900" algn="l" rtl="0">
@@ -14830,14 +14435,14 @@
               <a:buChar char="●"/>
             </a:pPr>
             <a:r>
-              <a:rPr lang="en" b="1"/>
+              <a:rPr lang="en" b="1" dirty="0"/>
               <a:t>Quotas</a:t>
             </a:r>
             <a:r>
-              <a:rPr lang="en"/>
+              <a:rPr lang="en" dirty="0"/>
               <a:t>: Ensure that users can only access a certain proportion resources</a:t>
             </a:r>
-            <a:endParaRPr/>
+            <a:endParaRPr dirty="0"/>
           </a:p>
           <a:p>
             <a:pPr marL="914400" lvl="1" indent="-317500" algn="l" rtl="0">
@@ -14851,10 +14456,10 @@
               <a:buChar char="○"/>
             </a:pPr>
             <a:r>
-              <a:rPr lang="en"/>
+              <a:rPr lang="en" dirty="0"/>
               <a:t>Example: Only trusted users can execute expensive requests</a:t>
             </a:r>
-            <a:endParaRPr/>
+            <a:endParaRPr dirty="0"/>
           </a:p>
           <a:p>
             <a:pPr marL="914400" lvl="1" indent="-317500" algn="l" rtl="0">
@@ -14868,10 +14473,10 @@
               <a:buChar char="○"/>
             </a:pPr>
             <a:r>
-              <a:rPr lang="en"/>
+              <a:rPr lang="en" dirty="0"/>
               <a:t>Example: Limit each user to 4 GB of RAM and 2 CPU cores</a:t>
             </a:r>
-            <a:endParaRPr/>
+            <a:endParaRPr dirty="0"/>
           </a:p>
         </p:txBody>
       </p:sp>
@@ -14973,33 +14578,15 @@
                                   </p:childTnLst>
                                 </p:cTn>
                               </p:par>
-                            </p:childTnLst>
-                          </p:cTn>
-                        </p:par>
-                      </p:childTnLst>
-                    </p:cTn>
-                  </p:par>
-                  <p:par>
-                    <p:cTn id="7" fill="hold">
-                      <p:stCondLst>
-                        <p:cond delay="indefinite"/>
-                      </p:stCondLst>
-                      <p:childTnLst>
-                        <p:par>
-                          <p:cTn id="8" fill="hold">
-                            <p:stCondLst>
-                              <p:cond delay="0"/>
-                            </p:stCondLst>
-                            <p:childTnLst>
                               <p:par>
-                                <p:cTn id="9" presetID="1" presetClass="entr" presetSubtype="0" fill="hold" nodeType="clickEffect">
+                                <p:cTn id="7" presetID="1" presetClass="entr" presetSubtype="0" fill="hold" nodeType="withEffect">
                                   <p:stCondLst>
                                     <p:cond delay="0"/>
                                   </p:stCondLst>
                                   <p:childTnLst>
                                     <p:set>
                                       <p:cBhvr>
-                                        <p:cTn id="10" dur="1" fill="hold">
+                                        <p:cTn id="8" dur="1" fill="hold">
                                           <p:stCondLst>
                                             <p:cond delay="0"/>
                                           </p:stCondLst>
@@ -15022,33 +14609,15 @@
                                   </p:childTnLst>
                                 </p:cTn>
                               </p:par>
-                            </p:childTnLst>
-                          </p:cTn>
-                        </p:par>
-                      </p:childTnLst>
-                    </p:cTn>
-                  </p:par>
-                  <p:par>
-                    <p:cTn id="11" fill="hold">
-                      <p:stCondLst>
-                        <p:cond delay="indefinite"/>
-                      </p:stCondLst>
-                      <p:childTnLst>
-                        <p:par>
-                          <p:cTn id="12" fill="hold">
-                            <p:stCondLst>
-                              <p:cond delay="0"/>
-                            </p:stCondLst>
-                            <p:childTnLst>
                               <p:par>
-                                <p:cTn id="13" presetID="1" presetClass="entr" presetSubtype="0" fill="hold" nodeType="clickEffect">
+                                <p:cTn id="9" presetID="1" presetClass="entr" presetSubtype="0" fill="hold" nodeType="withEffect">
                                   <p:stCondLst>
                                     <p:cond delay="0"/>
                                   </p:stCondLst>
                                   <p:childTnLst>
                                     <p:set>
                                       <p:cBhvr>
-                                        <p:cTn id="14" dur="1" fill="hold">
+                                        <p:cTn id="10" dur="1" fill="hold">
                                           <p:stCondLst>
                                             <p:cond delay="0"/>
                                           </p:stCondLst>
@@ -15071,33 +14640,15 @@
                                   </p:childTnLst>
                                 </p:cTn>
                               </p:par>
-                            </p:childTnLst>
-                          </p:cTn>
-                        </p:par>
-                      </p:childTnLst>
-                    </p:cTn>
-                  </p:par>
-                  <p:par>
-                    <p:cTn id="15" fill="hold">
-                      <p:stCondLst>
-                        <p:cond delay="indefinite"/>
-                      </p:stCondLst>
-                      <p:childTnLst>
-                        <p:par>
-                          <p:cTn id="16" fill="hold">
-                            <p:stCondLst>
-                              <p:cond delay="0"/>
-                            </p:stCondLst>
-                            <p:childTnLst>
                               <p:par>
-                                <p:cTn id="17" presetID="1" presetClass="entr" presetSubtype="0" fill="hold" nodeType="clickEffect">
+                                <p:cTn id="11" presetID="1" presetClass="entr" presetSubtype="0" fill="hold" nodeType="withEffect">
                                   <p:stCondLst>
                                     <p:cond delay="0"/>
                                   </p:stCondLst>
                                   <p:childTnLst>
                                     <p:set>
                                       <p:cBhvr>
-                                        <p:cTn id="18" dur="1" fill="hold">
+                                        <p:cTn id="12" dur="1" fill="hold">
                                           <p:stCondLst>
                                             <p:cond delay="0"/>
                                           </p:stCondLst>
@@ -15127,26 +14678,26 @@
                     </p:cTn>
                   </p:par>
                   <p:par>
-                    <p:cTn id="19" fill="hold">
+                    <p:cTn id="13" fill="hold">
                       <p:stCondLst>
                         <p:cond delay="indefinite"/>
                       </p:stCondLst>
                       <p:childTnLst>
                         <p:par>
-                          <p:cTn id="20" fill="hold">
+                          <p:cTn id="14" fill="hold">
                             <p:stCondLst>
                               <p:cond delay="0"/>
                             </p:stCondLst>
                             <p:childTnLst>
                               <p:par>
-                                <p:cTn id="21" presetID="1" presetClass="entr" presetSubtype="0" fill="hold" nodeType="clickEffect">
+                                <p:cTn id="15" presetID="1" presetClass="entr" presetSubtype="0" fill="hold" nodeType="clickEffect">
                                   <p:stCondLst>
                                     <p:cond delay="0"/>
                                   </p:stCondLst>
                                   <p:childTnLst>
                                     <p:set>
                                       <p:cBhvr>
-                                        <p:cTn id="22" dur="1" fill="hold">
+                                        <p:cTn id="16" dur="1" fill="hold">
                                           <p:stCondLst>
                                             <p:cond delay="0"/>
                                           </p:stCondLst>
@@ -15176,26 +14727,26 @@
                     </p:cTn>
                   </p:par>
                   <p:par>
-                    <p:cTn id="23" fill="hold">
+                    <p:cTn id="17" fill="hold">
                       <p:stCondLst>
                         <p:cond delay="indefinite"/>
                       </p:stCondLst>
                       <p:childTnLst>
                         <p:par>
-                          <p:cTn id="24" fill="hold">
+                          <p:cTn id="18" fill="hold">
                             <p:stCondLst>
                               <p:cond delay="0"/>
                             </p:stCondLst>
                             <p:childTnLst>
                               <p:par>
-                                <p:cTn id="25" presetID="1" presetClass="entr" presetSubtype="0" fill="hold" nodeType="clickEffect">
+                                <p:cTn id="19" presetID="1" presetClass="entr" presetSubtype="0" fill="hold" nodeType="clickEffect">
                                   <p:stCondLst>
                                     <p:cond delay="0"/>
                                   </p:stCondLst>
                                   <p:childTnLst>
                                     <p:set>
                                       <p:cBhvr>
-                                        <p:cTn id="26" dur="1" fill="hold">
+                                        <p:cTn id="20" dur="1" fill="hold">
                                           <p:stCondLst>
                                             <p:cond delay="0"/>
                                           </p:stCondLst>
@@ -15218,33 +14769,15 @@
                                   </p:childTnLst>
                                 </p:cTn>
                               </p:par>
-                            </p:childTnLst>
-                          </p:cTn>
-                        </p:par>
-                      </p:childTnLst>
-                    </p:cTn>
-                  </p:par>
-                  <p:par>
-                    <p:cTn id="27" fill="hold">
-                      <p:stCondLst>
-                        <p:cond delay="indefinite"/>
-                      </p:stCondLst>
-                      <p:childTnLst>
-                        <p:par>
-                          <p:cTn id="28" fill="hold">
-                            <p:stCondLst>
-                              <p:cond delay="0"/>
-                            </p:stCondLst>
-                            <p:childTnLst>
                               <p:par>
-                                <p:cTn id="29" presetID="1" presetClass="entr" presetSubtype="0" fill="hold" nodeType="clickEffect">
+                                <p:cTn id="21" presetID="1" presetClass="entr" presetSubtype="0" fill="hold" nodeType="withEffect">
                                   <p:stCondLst>
                                     <p:cond delay="0"/>
                                   </p:stCondLst>
                                   <p:childTnLst>
                                     <p:set>
                                       <p:cBhvr>
-                                        <p:cTn id="30" dur="1" fill="hold">
+                                        <p:cTn id="22" dur="1" fill="hold">
                                           <p:stCondLst>
                                             <p:cond delay="0"/>
                                           </p:stCondLst>
@@ -15267,33 +14800,15 @@
                                   </p:childTnLst>
                                 </p:cTn>
                               </p:par>
-                            </p:childTnLst>
-                          </p:cTn>
-                        </p:par>
-                      </p:childTnLst>
-                    </p:cTn>
-                  </p:par>
-                  <p:par>
-                    <p:cTn id="31" fill="hold">
-                      <p:stCondLst>
-                        <p:cond delay="indefinite"/>
-                      </p:stCondLst>
-                      <p:childTnLst>
-                        <p:par>
-                          <p:cTn id="32" fill="hold">
-                            <p:stCondLst>
-                              <p:cond delay="0"/>
-                            </p:stCondLst>
-                            <p:childTnLst>
                               <p:par>
-                                <p:cTn id="33" presetID="1" presetClass="entr" presetSubtype="0" fill="hold" nodeType="clickEffect">
+                                <p:cTn id="23" presetID="1" presetClass="entr" presetSubtype="0" fill="hold" nodeType="withEffect">
                                   <p:stCondLst>
                                     <p:cond delay="0"/>
                                   </p:stCondLst>
                                   <p:childTnLst>
                                     <p:set>
                                       <p:cBhvr>
-                                        <p:cTn id="34" dur="1" fill="hold">
+                                        <p:cTn id="24" dur="1" fill="hold">
                                           <p:stCondLst>
                                             <p:cond delay="0"/>
                                           </p:stCondLst>
@@ -15442,14 +14957,14 @@
               <a:buChar char="●"/>
             </a:pPr>
             <a:r>
-              <a:rPr lang="en" b="1"/>
+              <a:rPr lang="en" b="1" dirty="0"/>
               <a:t>Proof-of-work</a:t>
             </a:r>
             <a:r>
-              <a:rPr lang="en"/>
+              <a:rPr lang="en" dirty="0"/>
               <a:t>: Force users to spend some resources to issue a request</a:t>
             </a:r>
-            <a:endParaRPr/>
+            <a:endParaRPr dirty="0"/>
           </a:p>
           <a:p>
             <a:pPr marL="914400" lvl="1" indent="-317500" algn="l" rtl="0">
@@ -15463,10 +14978,10 @@
               <a:buChar char="○"/>
             </a:pPr>
             <a:r>
-              <a:rPr lang="en"/>
+              <a:rPr lang="en" dirty="0"/>
               <a:t>Idea: Make a DoS attack more expensive for the attacker, who now needs to spend resources</a:t>
             </a:r>
-            <a:endParaRPr/>
+            <a:endParaRPr dirty="0"/>
           </a:p>
           <a:p>
             <a:pPr marL="914400" lvl="1" indent="-317500" algn="l" rtl="0">
@@ -15480,10 +14995,10 @@
               <a:buChar char="○"/>
             </a:pPr>
             <a:r>
-              <a:rPr lang="en"/>
+              <a:rPr lang="en" dirty="0"/>
               <a:t>Example: Add a CAPTCHA, which the attacker will now have to solve (or pay for solving services)</a:t>
             </a:r>
-            <a:endParaRPr/>
+            <a:endParaRPr dirty="0"/>
           </a:p>
           <a:p>
             <a:pPr marL="457200" lvl="0" indent="-342900" algn="l" rtl="0">
@@ -15496,15 +15011,28 @@
               <a:buSzPts val="1800"/>
               <a:buChar char="●"/>
             </a:pPr>
-            <a:r>
-              <a:rPr lang="en" b="1"/>
+            <a:endParaRPr lang="en" b="1" dirty="0"/>
+          </a:p>
+          <a:p>
+            <a:pPr marL="457200" lvl="0" indent="-342900" algn="l" rtl="0">
+              <a:spcBef>
+                <a:spcPts val="0"/>
+              </a:spcBef>
+              <a:spcAft>
+                <a:spcPts val="0"/>
+              </a:spcAft>
+              <a:buSzPts val="1800"/>
+              <a:buChar char="●"/>
+            </a:pPr>
+            <a:r>
+              <a:rPr lang="en" b="1" dirty="0"/>
               <a:t>Overprovisioning</a:t>
             </a:r>
             <a:r>
-              <a:rPr lang="en"/>
+              <a:rPr lang="en" dirty="0"/>
               <a:t>: Allocate a huge amount of resources</a:t>
             </a:r>
-            <a:endParaRPr/>
+            <a:endParaRPr dirty="0"/>
           </a:p>
           <a:p>
             <a:pPr marL="914400" lvl="1" indent="-317500" algn="l" rtl="0">
@@ -15518,10 +15046,10 @@
               <a:buChar char="○"/>
             </a:pPr>
             <a:r>
-              <a:rPr lang="en"/>
+              <a:rPr lang="en" dirty="0"/>
               <a:t>Can cost the server a lot of money!</a:t>
             </a:r>
-            <a:endParaRPr/>
+            <a:endParaRPr dirty="0"/>
           </a:p>
           <a:p>
             <a:pPr marL="914400" lvl="1" indent="-317500" algn="l" rtl="0">
@@ -15535,10 +15063,10 @@
               <a:buChar char="○"/>
             </a:pPr>
             <a:r>
-              <a:rPr lang="en"/>
-              <a:t>Depends on your threat model</a:t>
-            </a:r>
-            <a:endParaRPr/>
+              <a:rPr lang="en" dirty="0"/>
+              <a:t>Often the most effective defense (“security is economics”)</a:t>
+            </a:r>
+            <a:endParaRPr dirty="0"/>
           </a:p>
           <a:p>
             <a:pPr marL="914400" lvl="1" indent="-317500" algn="l" rtl="0">
@@ -15552,31 +15080,14 @@
               <a:buChar char="○"/>
             </a:pPr>
             <a:r>
-              <a:rPr lang="en"/>
-              <a:t>Often the most effective defense (“security is economics”)</a:t>
-            </a:r>
-            <a:endParaRPr/>
-          </a:p>
-          <a:p>
-            <a:pPr marL="914400" lvl="1" indent="-317500" algn="l" rtl="0">
-              <a:spcBef>
-                <a:spcPts val="0"/>
-              </a:spcBef>
-              <a:spcAft>
-                <a:spcPts val="0"/>
-              </a:spcAft>
-              <a:buSzPts val="1400"/>
-              <a:buChar char="○"/>
-            </a:pPr>
-            <a:r>
-              <a:rPr lang="en" b="1"/>
+              <a:rPr lang="en" b="1" dirty="0"/>
               <a:t>Content delivery network </a:t>
             </a:r>
             <a:r>
-              <a:rPr lang="en"/>
+              <a:rPr lang="en" dirty="0"/>
               <a:t>(CDN): A service that allocates a huge amount of resources for you</a:t>
             </a:r>
-            <a:endParaRPr/>
+            <a:endParaRPr dirty="0"/>
           </a:p>
           <a:p>
             <a:pPr marL="1371600" lvl="2" indent="-317500" algn="l" rtl="0">
@@ -15590,10 +15101,10 @@
               <a:buChar char="■"/>
             </a:pPr>
             <a:r>
-              <a:rPr lang="en"/>
+              <a:rPr lang="en" dirty="0"/>
               <a:t>Example of a CDN: Cloudflare</a:t>
             </a:r>
-            <a:endParaRPr/>
+            <a:endParaRPr dirty="0"/>
           </a:p>
           <a:p>
             <a:pPr marL="1371600" lvl="2" indent="-317500" algn="l" rtl="0">
@@ -15607,10 +15118,10 @@
               <a:buChar char="■"/>
             </a:pPr>
             <a:r>
-              <a:rPr lang="en"/>
+              <a:rPr lang="en" dirty="0"/>
               <a:t>Cloudflare runs your service for you with a huge amount of resources</a:t>
             </a:r>
-            <a:endParaRPr/>
+            <a:endParaRPr dirty="0"/>
           </a:p>
         </p:txBody>
       </p:sp>
@@ -15712,26 +15223,39 @@
                                   </p:childTnLst>
                                 </p:cTn>
                               </p:par>
-                            </p:childTnLst>
-                          </p:cTn>
-                        </p:par>
-                      </p:childTnLst>
-                    </p:cTn>
-                  </p:par>
-                  <p:par>
-                    <p:cTn id="7" fill="hold">
-                      <p:stCondLst>
-                        <p:cond delay="indefinite"/>
-                      </p:stCondLst>
-                      <p:childTnLst>
-                        <p:par>
-                          <p:cTn id="8" fill="hold">
-                            <p:stCondLst>
-                              <p:cond delay="0"/>
-                            </p:stCondLst>
-                            <p:childTnLst>
                               <p:par>
-                                <p:cTn id="9" presetID="1" presetClass="entr" presetSubtype="0" fill="hold" nodeType="clickEffect">
+                                <p:cTn id="7" presetID="1" presetClass="entr" presetSubtype="0" fill="hold" nodeType="withEffect">
+                                  <p:stCondLst>
+                                    <p:cond delay="0"/>
+                                  </p:stCondLst>
+                                  <p:childTnLst>
+                                    <p:set>
+                                      <p:cBhvr>
+                                        <p:cTn id="8" dur="1" fill="hold">
+                                          <p:stCondLst>
+                                            <p:cond delay="0"/>
+                                          </p:stCondLst>
+                                        </p:cTn>
+                                        <p:tgtEl>
+                                          <p:spTgt spid="194">
+                                            <p:txEl>
+                                              <p:pRg st="1" end="1"/>
+                                            </p:txEl>
+                                          </p:spTgt>
+                                        </p:tgtEl>
+                                        <p:attrNameLst>
+                                          <p:attrName>style.visibility</p:attrName>
+                                        </p:attrNameLst>
+                                      </p:cBhvr>
+                                      <p:to>
+                                        <p:strVal val="visible"/>
+                                      </p:to>
+                                    </p:set>
+                                  </p:childTnLst>
+                                </p:cTn>
+                              </p:par>
+                              <p:par>
+                                <p:cTn id="9" presetID="1" presetClass="entr" presetSubtype="0" fill="hold" nodeType="withEffect">
                                   <p:stCondLst>
                                     <p:cond delay="0"/>
                                   </p:stCondLst>
@@ -15746,7 +15270,7 @@
                                         <p:tgtEl>
                                           <p:spTgt spid="194">
                                             <p:txEl>
-                                              <p:pRg st="1" end="1"/>
+                                              <p:pRg st="2" end="2"/>
                                             </p:txEl>
                                           </p:spTgt>
                                         </p:tgtEl>
@@ -15795,7 +15319,7 @@
                                         <p:tgtEl>
                                           <p:spTgt spid="194">
                                             <p:txEl>
-                                              <p:pRg st="2" end="2"/>
+                                              <p:pRg st="4" end="4"/>
                                             </p:txEl>
                                           </p:spTgt>
                                         </p:tgtEl>
@@ -15844,7 +15368,7 @@
                                         <p:tgtEl>
                                           <p:spTgt spid="194">
                                             <p:txEl>
-                                              <p:pRg st="3" end="3"/>
+                                              <p:pRg st="5" end="5"/>
                                             </p:txEl>
                                           </p:spTgt>
                                         </p:tgtEl>
@@ -15893,7 +15417,7 @@
                                         <p:tgtEl>
                                           <p:spTgt spid="194">
                                             <p:txEl>
-                                              <p:pRg st="4" end="4"/>
+                                              <p:pRg st="6" end="6"/>
                                             </p:txEl>
                                           </p:spTgt>
                                         </p:tgtEl>
@@ -15942,7 +15466,7 @@
                                         <p:tgtEl>
                                           <p:spTgt spid="194">
                                             <p:txEl>
-                                              <p:pRg st="5" end="5"/>
+                                              <p:pRg st="7" end="7"/>
                                             </p:txEl>
                                           </p:spTgt>
                                         </p:tgtEl>
@@ -15991,7 +15515,7 @@
                                         <p:tgtEl>
                                           <p:spTgt spid="194">
                                             <p:txEl>
-                                              <p:pRg st="6" end="6"/>
+                                              <p:pRg st="8" end="8"/>
                                             </p:txEl>
                                           </p:spTgt>
                                         </p:tgtEl>
@@ -16033,104 +15557,6 @@
                                     <p:set>
                                       <p:cBhvr>
                                         <p:cTn id="34" dur="1" fill="hold">
-                                          <p:stCondLst>
-                                            <p:cond delay="0"/>
-                                          </p:stCondLst>
-                                        </p:cTn>
-                                        <p:tgtEl>
-                                          <p:spTgt spid="194">
-                                            <p:txEl>
-                                              <p:pRg st="7" end="7"/>
-                                            </p:txEl>
-                                          </p:spTgt>
-                                        </p:tgtEl>
-                                        <p:attrNameLst>
-                                          <p:attrName>style.visibility</p:attrName>
-                                        </p:attrNameLst>
-                                      </p:cBhvr>
-                                      <p:to>
-                                        <p:strVal val="visible"/>
-                                      </p:to>
-                                    </p:set>
-                                  </p:childTnLst>
-                                </p:cTn>
-                              </p:par>
-                            </p:childTnLst>
-                          </p:cTn>
-                        </p:par>
-                      </p:childTnLst>
-                    </p:cTn>
-                  </p:par>
-                  <p:par>
-                    <p:cTn id="35" fill="hold">
-                      <p:stCondLst>
-                        <p:cond delay="indefinite"/>
-                      </p:stCondLst>
-                      <p:childTnLst>
-                        <p:par>
-                          <p:cTn id="36" fill="hold">
-                            <p:stCondLst>
-                              <p:cond delay="0"/>
-                            </p:stCondLst>
-                            <p:childTnLst>
-                              <p:par>
-                                <p:cTn id="37" presetID="1" presetClass="entr" presetSubtype="0" fill="hold" nodeType="clickEffect">
-                                  <p:stCondLst>
-                                    <p:cond delay="0"/>
-                                  </p:stCondLst>
-                                  <p:childTnLst>
-                                    <p:set>
-                                      <p:cBhvr>
-                                        <p:cTn id="38" dur="1" fill="hold">
-                                          <p:stCondLst>
-                                            <p:cond delay="0"/>
-                                          </p:stCondLst>
-                                        </p:cTn>
-                                        <p:tgtEl>
-                                          <p:spTgt spid="194">
-                                            <p:txEl>
-                                              <p:pRg st="8" end="8"/>
-                                            </p:txEl>
-                                          </p:spTgt>
-                                        </p:tgtEl>
-                                        <p:attrNameLst>
-                                          <p:attrName>style.visibility</p:attrName>
-                                        </p:attrNameLst>
-                                      </p:cBhvr>
-                                      <p:to>
-                                        <p:strVal val="visible"/>
-                                      </p:to>
-                                    </p:set>
-                                  </p:childTnLst>
-                                </p:cTn>
-                              </p:par>
-                            </p:childTnLst>
-                          </p:cTn>
-                        </p:par>
-                      </p:childTnLst>
-                    </p:cTn>
-                  </p:par>
-                  <p:par>
-                    <p:cTn id="39" fill="hold">
-                      <p:stCondLst>
-                        <p:cond delay="indefinite"/>
-                      </p:stCondLst>
-                      <p:childTnLst>
-                        <p:par>
-                          <p:cTn id="40" fill="hold">
-                            <p:stCondLst>
-                              <p:cond delay="0"/>
-                            </p:stCondLst>
-                            <p:childTnLst>
-                              <p:par>
-                                <p:cTn id="41" presetID="1" presetClass="entr" presetSubtype="0" fill="hold" nodeType="clickEffect">
-                                  <p:stCondLst>
-                                    <p:cond delay="0"/>
-                                  </p:stCondLst>
-                                  <p:childTnLst>
-                                    <p:set>
-                                      <p:cBhvr>
-                                        <p:cTn id="42" dur="1" fill="hold">
                                           <p:stCondLst>
                                             <p:cond delay="0"/>
                                           </p:stCondLst>
@@ -16624,33 +16050,15 @@
                                   </p:childTnLst>
                                 </p:cTn>
                               </p:par>
-                            </p:childTnLst>
-                          </p:cTn>
-                        </p:par>
-                      </p:childTnLst>
-                    </p:cTn>
-                  </p:par>
-                  <p:par>
-                    <p:cTn id="7" fill="hold">
-                      <p:stCondLst>
-                        <p:cond delay="indefinite"/>
-                      </p:stCondLst>
-                      <p:childTnLst>
-                        <p:par>
-                          <p:cTn id="8" fill="hold">
-                            <p:stCondLst>
-                              <p:cond delay="0"/>
-                            </p:stCondLst>
-                            <p:childTnLst>
                               <p:par>
-                                <p:cTn id="9" presetID="1" presetClass="entr" presetSubtype="0" fill="hold" nodeType="clickEffect">
+                                <p:cTn id="7" presetID="1" presetClass="entr" presetSubtype="0" fill="hold" nodeType="withEffect">
                                   <p:stCondLst>
                                     <p:cond delay="0"/>
                                   </p:stCondLst>
                                   <p:childTnLst>
                                     <p:set>
                                       <p:cBhvr>
-                                        <p:cTn id="10" dur="1" fill="hold">
+                                        <p:cTn id="8" dur="1" fill="hold">
                                           <p:stCondLst>
                                             <p:cond delay="0"/>
                                           </p:stCondLst>
@@ -16680,26 +16088,26 @@
                     </p:cTn>
                   </p:par>
                   <p:par>
-                    <p:cTn id="11" fill="hold">
+                    <p:cTn id="9" fill="hold">
                       <p:stCondLst>
                         <p:cond delay="indefinite"/>
                       </p:stCondLst>
                       <p:childTnLst>
                         <p:par>
-                          <p:cTn id="12" fill="hold">
+                          <p:cTn id="10" fill="hold">
                             <p:stCondLst>
                               <p:cond delay="0"/>
                             </p:stCondLst>
                             <p:childTnLst>
                               <p:par>
-                                <p:cTn id="13" presetID="1" presetClass="entr" presetSubtype="0" fill="hold" nodeType="clickEffect">
+                                <p:cTn id="11" presetID="1" presetClass="entr" presetSubtype="0" fill="hold" nodeType="clickEffect">
                                   <p:stCondLst>
                                     <p:cond delay="0"/>
                                   </p:stCondLst>
                                   <p:childTnLst>
                                     <p:set>
                                       <p:cBhvr>
-                                        <p:cTn id="14" dur="1" fill="hold">
+                                        <p:cTn id="12" dur="1" fill="hold">
                                           <p:stCondLst>
                                             <p:cond delay="0"/>
                                           </p:stCondLst>
@@ -16722,33 +16130,15 @@
                                   </p:childTnLst>
                                 </p:cTn>
                               </p:par>
-                            </p:childTnLst>
-                          </p:cTn>
-                        </p:par>
-                      </p:childTnLst>
-                    </p:cTn>
-                  </p:par>
-                  <p:par>
-                    <p:cTn id="15" fill="hold">
-                      <p:stCondLst>
-                        <p:cond delay="indefinite"/>
-                      </p:stCondLst>
-                      <p:childTnLst>
-                        <p:par>
-                          <p:cTn id="16" fill="hold">
-                            <p:stCondLst>
-                              <p:cond delay="0"/>
-                            </p:stCondLst>
-                            <p:childTnLst>
                               <p:par>
-                                <p:cTn id="17" presetID="1" presetClass="entr" presetSubtype="0" fill="hold" nodeType="clickEffect">
+                                <p:cTn id="13" presetID="1" presetClass="entr" presetSubtype="0" fill="hold" nodeType="withEffect">
                                   <p:stCondLst>
                                     <p:cond delay="0"/>
                                   </p:stCondLst>
                                   <p:childTnLst>
                                     <p:set>
                                       <p:cBhvr>
-                                        <p:cTn id="18" dur="1" fill="hold">
+                                        <p:cTn id="14" dur="1" fill="hold">
                                           <p:stCondLst>
                                             <p:cond delay="0"/>
                                           </p:stCondLst>
@@ -16771,33 +16161,15 @@
                                   </p:childTnLst>
                                 </p:cTn>
                               </p:par>
-                            </p:childTnLst>
-                          </p:cTn>
-                        </p:par>
-                      </p:childTnLst>
-                    </p:cTn>
-                  </p:par>
-                  <p:par>
-                    <p:cTn id="19" fill="hold">
-                      <p:stCondLst>
-                        <p:cond delay="indefinite"/>
-                      </p:stCondLst>
-                      <p:childTnLst>
-                        <p:par>
-                          <p:cTn id="20" fill="hold">
-                            <p:stCondLst>
-                              <p:cond delay="0"/>
-                            </p:stCondLst>
-                            <p:childTnLst>
                               <p:par>
-                                <p:cTn id="21" presetID="1" presetClass="entr" presetSubtype="0" fill="hold" nodeType="clickEffect">
+                                <p:cTn id="15" presetID="1" presetClass="entr" presetSubtype="0" fill="hold" nodeType="withEffect">
                                   <p:stCondLst>
                                     <p:cond delay="0"/>
                                   </p:stCondLst>
                                   <p:childTnLst>
                                     <p:set>
                                       <p:cBhvr>
-                                        <p:cTn id="22" dur="1" fill="hold">
+                                        <p:cTn id="16" dur="1" fill="hold">
                                           <p:stCondLst>
                                             <p:cond delay="0"/>
                                           </p:stCondLst>
@@ -16827,26 +16199,26 @@
                     </p:cTn>
                   </p:par>
                   <p:par>
-                    <p:cTn id="23" fill="hold">
+                    <p:cTn id="17" fill="hold">
                       <p:stCondLst>
                         <p:cond delay="indefinite"/>
                       </p:stCondLst>
                       <p:childTnLst>
                         <p:par>
-                          <p:cTn id="24" fill="hold">
+                          <p:cTn id="18" fill="hold">
                             <p:stCondLst>
                               <p:cond delay="0"/>
                             </p:stCondLst>
                             <p:childTnLst>
                               <p:par>
-                                <p:cTn id="25" presetID="1" presetClass="entr" presetSubtype="0" fill="hold" nodeType="clickEffect">
+                                <p:cTn id="19" presetID="1" presetClass="entr" presetSubtype="0" fill="hold" nodeType="clickEffect">
                                   <p:stCondLst>
                                     <p:cond delay="0"/>
                                   </p:stCondLst>
                                   <p:childTnLst>
                                     <p:set>
                                       <p:cBhvr>
-                                        <p:cTn id="26" dur="1" fill="hold">
+                                        <p:cTn id="20" dur="1" fill="hold">
                                           <p:stCondLst>
                                             <p:cond delay="0"/>
                                           </p:stCondLst>
@@ -16869,33 +16241,15 @@
                                   </p:childTnLst>
                                 </p:cTn>
                               </p:par>
-                            </p:childTnLst>
-                          </p:cTn>
-                        </p:par>
-                      </p:childTnLst>
-                    </p:cTn>
-                  </p:par>
-                  <p:par>
-                    <p:cTn id="27" fill="hold">
-                      <p:stCondLst>
-                        <p:cond delay="indefinite"/>
-                      </p:stCondLst>
-                      <p:childTnLst>
-                        <p:par>
-                          <p:cTn id="28" fill="hold">
-                            <p:stCondLst>
-                              <p:cond delay="0"/>
-                            </p:stCondLst>
-                            <p:childTnLst>
                               <p:par>
-                                <p:cTn id="29" presetID="1" presetClass="entr" presetSubtype="0" fill="hold" nodeType="clickEffect">
+                                <p:cTn id="21" presetID="1" presetClass="entr" presetSubtype="0" fill="hold" nodeType="withEffect">
                                   <p:stCondLst>
                                     <p:cond delay="0"/>
                                   </p:stCondLst>
                                   <p:childTnLst>
                                     <p:set>
                                       <p:cBhvr>
-                                        <p:cTn id="30" dur="1" fill="hold">
+                                        <p:cTn id="22" dur="1" fill="hold">
                                           <p:stCondLst>
                                             <p:cond delay="0"/>
                                           </p:stCondLst>
@@ -16918,33 +16272,15 @@
                                   </p:childTnLst>
                                 </p:cTn>
                               </p:par>
-                            </p:childTnLst>
-                          </p:cTn>
-                        </p:par>
-                      </p:childTnLst>
-                    </p:cTn>
-                  </p:par>
-                  <p:par>
-                    <p:cTn id="31" fill="hold">
-                      <p:stCondLst>
-                        <p:cond delay="indefinite"/>
-                      </p:stCondLst>
-                      <p:childTnLst>
-                        <p:par>
-                          <p:cTn id="32" fill="hold">
-                            <p:stCondLst>
-                              <p:cond delay="0"/>
-                            </p:stCondLst>
-                            <p:childTnLst>
                               <p:par>
-                                <p:cTn id="33" presetID="1" presetClass="entr" presetSubtype="0" fill="hold" nodeType="clickEffect">
+                                <p:cTn id="23" presetID="1" presetClass="entr" presetSubtype="0" fill="hold" nodeType="withEffect">
                                   <p:stCondLst>
                                     <p:cond delay="0"/>
                                   </p:stCondLst>
                                   <p:childTnLst>
                                     <p:set>
                                       <p:cBhvr>
-                                        <p:cTn id="34" dur="1" fill="hold">
+                                        <p:cTn id="24" dur="1" fill="hold">
                                           <p:stCondLst>
                                             <p:cond delay="0"/>
                                           </p:stCondLst>
@@ -17819,7 +17155,7 @@
                                         <p:tgtEl>
                                           <p:spTgt spid="214">
                                             <p:txEl>
-                                              <p:pRg st="0" end="0"/>
+                                              <p:pRg st="1" end="1"/>
                                             </p:txEl>
                                           </p:spTgt>
                                         </p:tgtEl>
@@ -17868,7 +17204,7 @@
                                         <p:tgtEl>
                                           <p:spTgt spid="214">
                                             <p:txEl>
-                                              <p:pRg st="1" end="1"/>
+                                              <p:pRg st="2" end="2"/>
                                             </p:txEl>
                                           </p:spTgt>
                                         </p:tgtEl>
@@ -17917,7 +17253,7 @@
                                         <p:tgtEl>
                                           <p:spTgt spid="214">
                                             <p:txEl>
-                                              <p:pRg st="2" end="2"/>
+                                              <p:pRg st="3" end="3"/>
                                             </p:txEl>
                                           </p:spTgt>
                                         </p:tgtEl>
@@ -17959,55 +17295,6 @@
                                     <p:set>
                                       <p:cBhvr>
                                         <p:cTn id="18" dur="1" fill="hold">
-                                          <p:stCondLst>
-                                            <p:cond delay="0"/>
-                                          </p:stCondLst>
-                                        </p:cTn>
-                                        <p:tgtEl>
-                                          <p:spTgt spid="214">
-                                            <p:txEl>
-                                              <p:pRg st="3" end="3"/>
-                                            </p:txEl>
-                                          </p:spTgt>
-                                        </p:tgtEl>
-                                        <p:attrNameLst>
-                                          <p:attrName>style.visibility</p:attrName>
-                                        </p:attrNameLst>
-                                      </p:cBhvr>
-                                      <p:to>
-                                        <p:strVal val="visible"/>
-                                      </p:to>
-                                    </p:set>
-                                  </p:childTnLst>
-                                </p:cTn>
-                              </p:par>
-                            </p:childTnLst>
-                          </p:cTn>
-                        </p:par>
-                      </p:childTnLst>
-                    </p:cTn>
-                  </p:par>
-                  <p:par>
-                    <p:cTn id="19" fill="hold">
-                      <p:stCondLst>
-                        <p:cond delay="indefinite"/>
-                      </p:stCondLst>
-                      <p:childTnLst>
-                        <p:par>
-                          <p:cTn id="20" fill="hold">
-                            <p:stCondLst>
-                              <p:cond delay="0"/>
-                            </p:stCondLst>
-                            <p:childTnLst>
-                              <p:par>
-                                <p:cTn id="21" presetID="1" presetClass="entr" presetSubtype="0" fill="hold" nodeType="clickEffect">
-                                  <p:stCondLst>
-                                    <p:cond delay="0"/>
-                                  </p:stCondLst>
-                                  <p:childTnLst>
-                                    <p:set>
-                                      <p:cBhvr>
-                                        <p:cTn id="22" dur="1" fill="hold">
                                           <p:stCondLst>
                                             <p:cond delay="0"/>
                                           </p:stCondLst>
@@ -19069,7 +18356,7 @@
                                         <p:tgtEl>
                                           <p:spTgt spid="234">
                                             <p:txEl>
-                                              <p:pRg st="0" end="0"/>
+                                              <p:pRg st="1" end="1"/>
                                             </p:txEl>
                                           </p:spTgt>
                                         </p:tgtEl>
@@ -19118,7 +18405,7 @@
                                         <p:tgtEl>
                                           <p:spTgt spid="234">
                                             <p:txEl>
-                                              <p:pRg st="1" end="1"/>
+                                              <p:pRg st="2" end="2"/>
                                             </p:txEl>
                                           </p:spTgt>
                                         </p:tgtEl>
@@ -19167,7 +18454,7 @@
                                         <p:tgtEl>
                                           <p:spTgt spid="234">
                                             <p:txEl>
-                                              <p:pRg st="2" end="2"/>
+                                              <p:pRg st="3" end="3"/>
                                             </p:txEl>
                                           </p:spTgt>
                                         </p:tgtEl>
@@ -19216,7 +18503,7 @@
                                         <p:tgtEl>
                                           <p:spTgt spid="234">
                                             <p:txEl>
-                                              <p:pRg st="3" end="3"/>
+                                              <p:pRg st="4" end="4"/>
                                             </p:txEl>
                                           </p:spTgt>
                                         </p:tgtEl>
@@ -19258,55 +18545,6 @@
                                     <p:set>
                                       <p:cBhvr>
                                         <p:cTn id="22" dur="1" fill="hold">
-                                          <p:stCondLst>
-                                            <p:cond delay="0"/>
-                                          </p:stCondLst>
-                                        </p:cTn>
-                                        <p:tgtEl>
-                                          <p:spTgt spid="234">
-                                            <p:txEl>
-                                              <p:pRg st="4" end="4"/>
-                                            </p:txEl>
-                                          </p:spTgt>
-                                        </p:tgtEl>
-                                        <p:attrNameLst>
-                                          <p:attrName>style.visibility</p:attrName>
-                                        </p:attrNameLst>
-                                      </p:cBhvr>
-                                      <p:to>
-                                        <p:strVal val="visible"/>
-                                      </p:to>
-                                    </p:set>
-                                  </p:childTnLst>
-                                </p:cTn>
-                              </p:par>
-                            </p:childTnLst>
-                          </p:cTn>
-                        </p:par>
-                      </p:childTnLst>
-                    </p:cTn>
-                  </p:par>
-                  <p:par>
-                    <p:cTn id="23" fill="hold">
-                      <p:stCondLst>
-                        <p:cond delay="indefinite"/>
-                      </p:stCondLst>
-                      <p:childTnLst>
-                        <p:par>
-                          <p:cTn id="24" fill="hold">
-                            <p:stCondLst>
-                              <p:cond delay="0"/>
-                            </p:stCondLst>
-                            <p:childTnLst>
-                              <p:par>
-                                <p:cTn id="25" presetID="1" presetClass="entr" presetSubtype="0" fill="hold" nodeType="clickEffect">
-                                  <p:stCondLst>
-                                    <p:cond delay="0"/>
-                                  </p:stCondLst>
-                                  <p:childTnLst>
-                                    <p:set>
-                                      <p:cBhvr>
-                                        <p:cTn id="26" dur="1" fill="hold">
                                           <p:stCondLst>
                                             <p:cond delay="0"/>
                                           </p:stCondLst>
@@ -44509,7 +43747,7 @@
         </p:nvGraphicFramePr>
         <p:xfrm>
           <a:off x="288475" y="1584135"/>
-          <a:ext cx="3000000" cy="3000000"/>
+          <a:ext cx="8567050" cy="2578520"/>
         </p:xfrm>
         <a:graphic>
           <a:graphicData uri="http://schemas.openxmlformats.org/drawingml/2006/table">
@@ -45243,7 +44481,7 @@
         </p:nvGraphicFramePr>
         <p:xfrm>
           <a:off x="288475" y="1584135"/>
-          <a:ext cx="3000000" cy="3000000"/>
+          <a:ext cx="8567050" cy="2228000"/>
         </p:xfrm>
         <a:graphic>
           <a:graphicData uri="http://schemas.openxmlformats.org/drawingml/2006/table">
@@ -45946,7 +45184,7 @@
         </p:nvGraphicFramePr>
         <p:xfrm>
           <a:off x="288475" y="1584135"/>
-          <a:ext cx="3000000" cy="3000000"/>
+          <a:ext cx="8567050" cy="1702220"/>
         </p:xfrm>
         <a:graphic>
           <a:graphicData uri="http://schemas.openxmlformats.org/drawingml/2006/table">
@@ -46802,33 +46040,15 @@
                                   </p:childTnLst>
                                 </p:cTn>
                               </p:par>
-                            </p:childTnLst>
-                          </p:cTn>
-                        </p:par>
-                      </p:childTnLst>
-                    </p:cTn>
-                  </p:par>
-                  <p:par>
-                    <p:cTn id="7" fill="hold">
-                      <p:stCondLst>
-                        <p:cond delay="indefinite"/>
-                      </p:stCondLst>
-                      <p:childTnLst>
-                        <p:par>
-                          <p:cTn id="8" fill="hold">
-                            <p:stCondLst>
-                              <p:cond delay="0"/>
-                            </p:stCondLst>
-                            <p:childTnLst>
                               <p:par>
-                                <p:cTn id="9" presetID="1" presetClass="entr" presetSubtype="0" fill="hold" nodeType="clickEffect">
+                                <p:cTn id="7" presetID="1" presetClass="entr" presetSubtype="0" fill="hold" nodeType="withEffect">
                                   <p:stCondLst>
                                     <p:cond delay="0"/>
                                   </p:stCondLst>
                                   <p:childTnLst>
                                     <p:set>
                                       <p:cBhvr>
-                                        <p:cTn id="10" dur="1" fill="hold">
+                                        <p:cTn id="8" dur="1" fill="hold">
                                           <p:stCondLst>
                                             <p:cond delay="0"/>
                                           </p:stCondLst>
@@ -46851,33 +46071,15 @@
                                   </p:childTnLst>
                                 </p:cTn>
                               </p:par>
-                            </p:childTnLst>
-                          </p:cTn>
-                        </p:par>
-                      </p:childTnLst>
-                    </p:cTn>
-                  </p:par>
-                  <p:par>
-                    <p:cTn id="11" fill="hold">
-                      <p:stCondLst>
-                        <p:cond delay="indefinite"/>
-                      </p:stCondLst>
-                      <p:childTnLst>
-                        <p:par>
-                          <p:cTn id="12" fill="hold">
-                            <p:stCondLst>
-                              <p:cond delay="0"/>
-                            </p:stCondLst>
-                            <p:childTnLst>
                               <p:par>
-                                <p:cTn id="13" presetID="1" presetClass="entr" presetSubtype="0" fill="hold" nodeType="clickEffect">
+                                <p:cTn id="9" presetID="1" presetClass="entr" presetSubtype="0" fill="hold" nodeType="withEffect">
                                   <p:stCondLst>
                                     <p:cond delay="0"/>
                                   </p:stCondLst>
                                   <p:childTnLst>
                                     <p:set>
                                       <p:cBhvr>
-                                        <p:cTn id="14" dur="1" fill="hold">
+                                        <p:cTn id="10" dur="1" fill="hold">
                                           <p:stCondLst>
                                             <p:cond delay="0"/>
                                           </p:stCondLst>
@@ -46900,33 +46102,15 @@
                                   </p:childTnLst>
                                 </p:cTn>
                               </p:par>
-                            </p:childTnLst>
-                          </p:cTn>
-                        </p:par>
-                      </p:childTnLst>
-                    </p:cTn>
-                  </p:par>
-                  <p:par>
-                    <p:cTn id="15" fill="hold">
-                      <p:stCondLst>
-                        <p:cond delay="indefinite"/>
-                      </p:stCondLst>
-                      <p:childTnLst>
-                        <p:par>
-                          <p:cTn id="16" fill="hold">
-                            <p:stCondLst>
-                              <p:cond delay="0"/>
-                            </p:stCondLst>
-                            <p:childTnLst>
                               <p:par>
-                                <p:cTn id="17" presetID="1" presetClass="entr" presetSubtype="0" fill="hold" nodeType="clickEffect">
+                                <p:cTn id="11" presetID="1" presetClass="entr" presetSubtype="0" fill="hold" nodeType="withEffect">
                                   <p:stCondLst>
                                     <p:cond delay="0"/>
                                   </p:stCondLst>
                                   <p:childTnLst>
                                     <p:set>
                                       <p:cBhvr>
-                                        <p:cTn id="18" dur="1" fill="hold">
+                                        <p:cTn id="12" dur="1" fill="hold">
                                           <p:stCondLst>
                                             <p:cond delay="0"/>
                                           </p:stCondLst>
@@ -46956,26 +46140,26 @@
                     </p:cTn>
                   </p:par>
                   <p:par>
-                    <p:cTn id="19" fill="hold">
+                    <p:cTn id="13" fill="hold">
                       <p:stCondLst>
                         <p:cond delay="indefinite"/>
                       </p:stCondLst>
                       <p:childTnLst>
                         <p:par>
-                          <p:cTn id="20" fill="hold">
+                          <p:cTn id="14" fill="hold">
                             <p:stCondLst>
                               <p:cond delay="0"/>
                             </p:stCondLst>
                             <p:childTnLst>
                               <p:par>
-                                <p:cTn id="21" presetID="1" presetClass="entr" presetSubtype="0" fill="hold" nodeType="clickEffect">
+                                <p:cTn id="15" presetID="1" presetClass="entr" presetSubtype="0" fill="hold" nodeType="clickEffect">
                                   <p:stCondLst>
                                     <p:cond delay="0"/>
                                   </p:stCondLst>
                                   <p:childTnLst>
                                     <p:set>
                                       <p:cBhvr>
-                                        <p:cTn id="22" dur="1" fill="hold">
+                                        <p:cTn id="16" dur="1" fill="hold">
                                           <p:stCondLst>
                                             <p:cond delay="0"/>
                                           </p:stCondLst>
@@ -46998,33 +46182,15 @@
                                   </p:childTnLst>
                                 </p:cTn>
                               </p:par>
-                            </p:childTnLst>
-                          </p:cTn>
-                        </p:par>
-                      </p:childTnLst>
-                    </p:cTn>
-                  </p:par>
-                  <p:par>
-                    <p:cTn id="23" fill="hold">
-                      <p:stCondLst>
-                        <p:cond delay="indefinite"/>
-                      </p:stCondLst>
-                      <p:childTnLst>
-                        <p:par>
-                          <p:cTn id="24" fill="hold">
-                            <p:stCondLst>
-                              <p:cond delay="0"/>
-                            </p:stCondLst>
-                            <p:childTnLst>
                               <p:par>
-                                <p:cTn id="25" presetID="1" presetClass="entr" presetSubtype="0" fill="hold" nodeType="clickEffect">
+                                <p:cTn id="17" presetID="1" presetClass="entr" presetSubtype="0" fill="hold" nodeType="withEffect">
                                   <p:stCondLst>
                                     <p:cond delay="0"/>
                                   </p:stCondLst>
                                   <p:childTnLst>
                                     <p:set>
                                       <p:cBhvr>
-                                        <p:cTn id="26" dur="1" fill="hold">
+                                        <p:cTn id="18" dur="1" fill="hold">
                                           <p:stCondLst>
                                             <p:cond delay="0"/>
                                           </p:stCondLst>
@@ -47047,33 +46213,15 @@
                                   </p:childTnLst>
                                 </p:cTn>
                               </p:par>
-                            </p:childTnLst>
-                          </p:cTn>
-                        </p:par>
-                      </p:childTnLst>
-                    </p:cTn>
-                  </p:par>
-                  <p:par>
-                    <p:cTn id="27" fill="hold">
-                      <p:stCondLst>
-                        <p:cond delay="indefinite"/>
-                      </p:stCondLst>
-                      <p:childTnLst>
-                        <p:par>
-                          <p:cTn id="28" fill="hold">
-                            <p:stCondLst>
-                              <p:cond delay="0"/>
-                            </p:stCondLst>
-                            <p:childTnLst>
                               <p:par>
-                                <p:cTn id="29" presetID="1" presetClass="entr" presetSubtype="0" fill="hold" nodeType="clickEffect">
+                                <p:cTn id="19" presetID="1" presetClass="entr" presetSubtype="0" fill="hold" nodeType="withEffect">
                                   <p:stCondLst>
                                     <p:cond delay="0"/>
                                   </p:stCondLst>
                                   <p:childTnLst>
                                     <p:set>
                                       <p:cBhvr>
-                                        <p:cTn id="30" dur="1" fill="hold">
+                                        <p:cTn id="20" dur="1" fill="hold">
                                           <p:stCondLst>
                                             <p:cond delay="0"/>
                                           </p:stCondLst>
@@ -47620,183 +46768,6 @@
   <p:clrMapOvr>
     <a:masterClrMapping/>
   </p:clrMapOvr>
-  <p:timing>
-    <p:tnLst>
-      <p:par>
-        <p:cTn id="1" dur="indefinite" restart="never" nodeType="tmRoot">
-          <p:childTnLst>
-            <p:seq concurrent="1" nextAc="seek">
-              <p:cTn id="2" dur="indefinite" nodeType="mainSeq">
-                <p:childTnLst>
-                  <p:par>
-                    <p:cTn id="3" fill="hold">
-                      <p:stCondLst>
-                        <p:cond delay="indefinite"/>
-                      </p:stCondLst>
-                      <p:childTnLst>
-                        <p:par>
-                          <p:cTn id="4" fill="hold">
-                            <p:stCondLst>
-                              <p:cond delay="0"/>
-                            </p:stCondLst>
-                            <p:childTnLst>
-                              <p:par>
-                                <p:cTn id="5" presetID="1" presetClass="entr" presetSubtype="0" fill="hold" nodeType="clickEffect">
-                                  <p:stCondLst>
-                                    <p:cond delay="0"/>
-                                  </p:stCondLst>
-                                  <p:childTnLst>
-                                    <p:set>
-                                      <p:cBhvr>
-                                        <p:cTn id="6" dur="1" fill="hold">
-                                          <p:stCondLst>
-                                            <p:cond delay="0"/>
-                                          </p:stCondLst>
-                                        </p:cTn>
-                                        <p:tgtEl>
-                                          <p:spTgt spid="129">
-                                            <p:txEl>
-                                              <p:pRg st="0" end="0"/>
-                                            </p:txEl>
-                                          </p:spTgt>
-                                        </p:tgtEl>
-                                        <p:attrNameLst>
-                                          <p:attrName>style.visibility</p:attrName>
-                                        </p:attrNameLst>
-                                      </p:cBhvr>
-                                      <p:to>
-                                        <p:strVal val="visible"/>
-                                      </p:to>
-                                    </p:set>
-                                  </p:childTnLst>
-                                </p:cTn>
-                              </p:par>
-                            </p:childTnLst>
-                          </p:cTn>
-                        </p:par>
-                      </p:childTnLst>
-                    </p:cTn>
-                  </p:par>
-                  <p:par>
-                    <p:cTn id="7" fill="hold">
-                      <p:stCondLst>
-                        <p:cond delay="indefinite"/>
-                      </p:stCondLst>
-                      <p:childTnLst>
-                        <p:par>
-                          <p:cTn id="8" fill="hold">
-                            <p:stCondLst>
-                              <p:cond delay="0"/>
-                            </p:stCondLst>
-                            <p:childTnLst>
-                              <p:par>
-                                <p:cTn id="9" presetID="1" presetClass="entr" presetSubtype="0" fill="hold" nodeType="clickEffect">
-                                  <p:stCondLst>
-                                    <p:cond delay="0"/>
-                                  </p:stCondLst>
-                                  <p:childTnLst>
-                                    <p:set>
-                                      <p:cBhvr>
-                                        <p:cTn id="10" dur="1" fill="hold">
-                                          <p:stCondLst>
-                                            <p:cond delay="0"/>
-                                          </p:stCondLst>
-                                        </p:cTn>
-                                        <p:tgtEl>
-                                          <p:spTgt spid="129">
-                                            <p:txEl>
-                                              <p:pRg st="1" end="1"/>
-                                            </p:txEl>
-                                          </p:spTgt>
-                                        </p:tgtEl>
-                                        <p:attrNameLst>
-                                          <p:attrName>style.visibility</p:attrName>
-                                        </p:attrNameLst>
-                                      </p:cBhvr>
-                                      <p:to>
-                                        <p:strVal val="visible"/>
-                                      </p:to>
-                                    </p:set>
-                                  </p:childTnLst>
-                                </p:cTn>
-                              </p:par>
-                            </p:childTnLst>
-                          </p:cTn>
-                        </p:par>
-                      </p:childTnLst>
-                    </p:cTn>
-                  </p:par>
-                  <p:par>
-                    <p:cTn id="11" fill="hold">
-                      <p:stCondLst>
-                        <p:cond delay="indefinite"/>
-                      </p:stCondLst>
-                      <p:childTnLst>
-                        <p:par>
-                          <p:cTn id="12" fill="hold">
-                            <p:stCondLst>
-                              <p:cond delay="0"/>
-                            </p:stCondLst>
-                            <p:childTnLst>
-                              <p:par>
-                                <p:cTn id="13" presetID="1" presetClass="entr" presetSubtype="0" fill="hold" nodeType="clickEffect">
-                                  <p:stCondLst>
-                                    <p:cond delay="0"/>
-                                  </p:stCondLst>
-                                  <p:childTnLst>
-                                    <p:set>
-                                      <p:cBhvr>
-                                        <p:cTn id="14" dur="1" fill="hold">
-                                          <p:stCondLst>
-                                            <p:cond delay="0"/>
-                                          </p:stCondLst>
-                                        </p:cTn>
-                                        <p:tgtEl>
-                                          <p:spTgt spid="129">
-                                            <p:txEl>
-                                              <p:pRg st="2" end="2"/>
-                                            </p:txEl>
-                                          </p:spTgt>
-                                        </p:tgtEl>
-                                        <p:attrNameLst>
-                                          <p:attrName>style.visibility</p:attrName>
-                                        </p:attrNameLst>
-                                      </p:cBhvr>
-                                      <p:to>
-                                        <p:strVal val="visible"/>
-                                      </p:to>
-                                    </p:set>
-                                  </p:childTnLst>
-                                </p:cTn>
-                              </p:par>
-                            </p:childTnLst>
-                          </p:cTn>
-                        </p:par>
-                      </p:childTnLst>
-                    </p:cTn>
-                  </p:par>
-                </p:childTnLst>
-              </p:cTn>
-              <p:prevCondLst>
-                <p:cond evt="onPrev" delay="0">
-                  <p:tgtEl>
-                    <p:sldTgt/>
-                  </p:tgtEl>
-                </p:cond>
-              </p:prevCondLst>
-              <p:nextCondLst>
-                <p:cond evt="onNext" delay="0">
-                  <p:tgtEl>
-                    <p:sldTgt/>
-                  </p:tgtEl>
-                </p:cond>
-              </p:nextCondLst>
-            </p:seq>
-          </p:childTnLst>
-        </p:cTn>
-      </p:par>
-    </p:tnLst>
-  </p:timing>
 </p:sld>
 </file>
 

--- a/teaching/ITIS6200/2023fa/lectures/lec16.Denial of Service and Firewalls.pptx
+++ b/teaching/ITIS6200/2023fa/lectures/lec16.Denial of Service and Firewalls.pptx
@@ -42147,10 +42147,10 @@
               <a:buChar char="●"/>
             </a:pPr>
             <a:r>
-              <a:rPr lang="en"/>
+              <a:rPr lang="en" dirty="0"/>
               <a:t>Pros</a:t>
             </a:r>
-            <a:endParaRPr/>
+            <a:endParaRPr dirty="0"/>
           </a:p>
           <a:p>
             <a:pPr marL="914400" lvl="1" indent="-317500" algn="l" rtl="0">
@@ -42164,10 +42164,10 @@
               <a:buChar char="○"/>
             </a:pPr>
             <a:r>
-              <a:rPr lang="en"/>
+              <a:rPr lang="en" dirty="0"/>
               <a:t>Centralized management of security policies (single point of control)</a:t>
             </a:r>
-            <a:endParaRPr/>
+            <a:endParaRPr dirty="0"/>
           </a:p>
           <a:p>
             <a:pPr marL="914400" lvl="1" indent="-317500" algn="l" rtl="0">
@@ -42181,10 +42181,10 @@
               <a:buChar char="○"/>
             </a:pPr>
             <a:r>
-              <a:rPr lang="en"/>
+              <a:rPr lang="en" dirty="0"/>
               <a:t>Transparent operation to end users</a:t>
             </a:r>
-            <a:endParaRPr/>
+            <a:endParaRPr dirty="0"/>
           </a:p>
           <a:p>
             <a:pPr marL="914400" lvl="1" indent="-317500" algn="l" rtl="0">
@@ -42198,10 +42198,10 @@
               <a:buChar char="○"/>
             </a:pPr>
             <a:r>
-              <a:rPr lang="en"/>
+              <a:rPr lang="en" dirty="0"/>
               <a:t>Mitigates security vulnerabilities on end hosts (e.g. block anything that looks like shellcode)</a:t>
             </a:r>
-            <a:endParaRPr/>
+            <a:endParaRPr dirty="0"/>
           </a:p>
           <a:p>
             <a:pPr marL="457200" lvl="0" indent="-342900" algn="l" rtl="0">
@@ -42215,10 +42215,10 @@
               <a:buChar char="●"/>
             </a:pPr>
             <a:r>
-              <a:rPr lang="en"/>
+              <a:rPr lang="en" dirty="0"/>
               <a:t>Cons</a:t>
             </a:r>
-            <a:endParaRPr/>
+            <a:endParaRPr dirty="0"/>
           </a:p>
           <a:p>
             <a:pPr marL="914400" lvl="1" indent="-317500" algn="l" rtl="0">
@@ -42232,10 +42232,10 @@
               <a:buChar char="○"/>
             </a:pPr>
             <a:r>
-              <a:rPr lang="en"/>
+              <a:rPr lang="en" dirty="0"/>
               <a:t>Reduced network connectivity</a:t>
             </a:r>
-            <a:endParaRPr/>
+            <a:endParaRPr dirty="0"/>
           </a:p>
           <a:p>
             <a:pPr marL="1371600" lvl="2" indent="-317500" algn="l" rtl="0">
@@ -42249,10 +42249,10 @@
               <a:buChar char="■"/>
             </a:pPr>
             <a:r>
-              <a:rPr lang="en"/>
+              <a:rPr lang="en" dirty="0"/>
               <a:t>Some applications don’t work well inside a firewall</a:t>
             </a:r>
-            <a:endParaRPr/>
+            <a:endParaRPr dirty="0"/>
           </a:p>
           <a:p>
             <a:pPr marL="914400" lvl="1" indent="-317500" algn="l" rtl="0">
@@ -42266,10 +42266,10 @@
               <a:buChar char="○"/>
             </a:pPr>
             <a:r>
-              <a:rPr lang="en"/>
+              <a:rPr lang="en" dirty="0"/>
               <a:t>Vulnerability to “insiders”</a:t>
             </a:r>
-            <a:endParaRPr/>
+            <a:endParaRPr dirty="0"/>
           </a:p>
           <a:p>
             <a:pPr marL="1371600" lvl="2" indent="-317500" algn="l" rtl="0">
@@ -42283,10 +42283,10 @@
               <a:buChar char="■"/>
             </a:pPr>
             <a:r>
-              <a:rPr lang="en"/>
+              <a:rPr lang="en" dirty="0"/>
               <a:t>Employees could be bribed or threatened</a:t>
             </a:r>
-            <a:endParaRPr/>
+            <a:endParaRPr dirty="0"/>
           </a:p>
           <a:p>
             <a:pPr marL="1371600" lvl="2" indent="-317500" algn="l" rtl="0">
@@ -42300,10 +42300,10 @@
               <a:buChar char="■"/>
             </a:pPr>
             <a:r>
-              <a:rPr lang="en"/>
+              <a:rPr lang="en" dirty="0"/>
               <a:t>Devices are often brought from into the network outside (e.g. cell phones, laptops)</a:t>
             </a:r>
-            <a:endParaRPr/>
+            <a:endParaRPr dirty="0"/>
           </a:p>
           <a:p>
             <a:pPr marL="1371600" lvl="2" indent="-317500" algn="l" rtl="0">
@@ -42317,10 +42317,10 @@
               <a:buChar char="■"/>
             </a:pPr>
             <a:r>
-              <a:rPr lang="en"/>
+              <a:rPr lang="en" dirty="0"/>
               <a:t>Once one device is compromised, attackers can quickly spread through the network</a:t>
             </a:r>
-            <a:endParaRPr/>
+            <a:endParaRPr dirty="0"/>
           </a:p>
           <a:p>
             <a:pPr marL="1371600" lvl="2" indent="-317500" algn="l" rtl="0">
@@ -42334,10 +42334,10 @@
               <a:buChar char="■"/>
             </a:pPr>
             <a:r>
-              <a:rPr lang="en"/>
+              <a:rPr lang="en" dirty="0"/>
               <a:t>Could be mitigated by layering firewalls for more sensitive devices</a:t>
             </a:r>
-            <a:endParaRPr/>
+            <a:endParaRPr dirty="0"/>
           </a:p>
         </p:txBody>
       </p:sp>
@@ -42424,7 +42424,7 @@
                                         <p:tgtEl>
                                           <p:spTgt spid="605">
                                             <p:txEl>
-                                              <p:pRg st="0" end="0"/>
+                                              <p:pRg st="1" end="1"/>
                                             </p:txEl>
                                           </p:spTgt>
                                         </p:tgtEl>
@@ -42473,7 +42473,7 @@
                                         <p:tgtEl>
                                           <p:spTgt spid="605">
                                             <p:txEl>
-                                              <p:pRg st="1" end="1"/>
+                                              <p:pRg st="2" end="2"/>
                                             </p:txEl>
                                           </p:spTgt>
                                         </p:tgtEl>
@@ -42522,7 +42522,7 @@
                                         <p:tgtEl>
                                           <p:spTgt spid="605">
                                             <p:txEl>
-                                              <p:pRg st="2" end="2"/>
+                                              <p:pRg st="3" end="3"/>
                                             </p:txEl>
                                           </p:spTgt>
                                         </p:tgtEl>
@@ -42571,7 +42571,7 @@
                                         <p:tgtEl>
                                           <p:spTgt spid="605">
                                             <p:txEl>
-                                              <p:pRg st="3" end="3"/>
+                                              <p:pRg st="5" end="5"/>
                                             </p:txEl>
                                           </p:spTgt>
                                         </p:tgtEl>
@@ -42620,7 +42620,7 @@
                                         <p:tgtEl>
                                           <p:spTgt spid="605">
                                             <p:txEl>
-                                              <p:pRg st="4" end="4"/>
+                                              <p:pRg st="6" end="6"/>
                                             </p:txEl>
                                           </p:spTgt>
                                         </p:tgtEl>
@@ -42669,7 +42669,7 @@
                                         <p:tgtEl>
                                           <p:spTgt spid="605">
                                             <p:txEl>
-                                              <p:pRg st="5" end="5"/>
+                                              <p:pRg st="7" end="7"/>
                                             </p:txEl>
                                           </p:spTgt>
                                         </p:tgtEl>
@@ -42718,7 +42718,7 @@
                                         <p:tgtEl>
                                           <p:spTgt spid="605">
                                             <p:txEl>
-                                              <p:pRg st="6" end="6"/>
+                                              <p:pRg st="8" end="8"/>
                                             </p:txEl>
                                           </p:spTgt>
                                         </p:tgtEl>
@@ -42767,7 +42767,7 @@
                                         <p:tgtEl>
                                           <p:spTgt spid="605">
                                             <p:txEl>
-                                              <p:pRg st="7" end="7"/>
+                                              <p:pRg st="9" end="9"/>
                                             </p:txEl>
                                           </p:spTgt>
                                         </p:tgtEl>
@@ -42816,7 +42816,7 @@
                                         <p:tgtEl>
                                           <p:spTgt spid="605">
                                             <p:txEl>
-                                              <p:pRg st="8" end="8"/>
+                                              <p:pRg st="10" end="10"/>
                                             </p:txEl>
                                           </p:spTgt>
                                         </p:tgtEl>
@@ -42858,104 +42858,6 @@
                                     <p:set>
                                       <p:cBhvr>
                                         <p:cTn id="42" dur="1" fill="hold">
-                                          <p:stCondLst>
-                                            <p:cond delay="0"/>
-                                          </p:stCondLst>
-                                        </p:cTn>
-                                        <p:tgtEl>
-                                          <p:spTgt spid="605">
-                                            <p:txEl>
-                                              <p:pRg st="9" end="9"/>
-                                            </p:txEl>
-                                          </p:spTgt>
-                                        </p:tgtEl>
-                                        <p:attrNameLst>
-                                          <p:attrName>style.visibility</p:attrName>
-                                        </p:attrNameLst>
-                                      </p:cBhvr>
-                                      <p:to>
-                                        <p:strVal val="visible"/>
-                                      </p:to>
-                                    </p:set>
-                                  </p:childTnLst>
-                                </p:cTn>
-                              </p:par>
-                            </p:childTnLst>
-                          </p:cTn>
-                        </p:par>
-                      </p:childTnLst>
-                    </p:cTn>
-                  </p:par>
-                  <p:par>
-                    <p:cTn id="43" fill="hold">
-                      <p:stCondLst>
-                        <p:cond delay="indefinite"/>
-                      </p:stCondLst>
-                      <p:childTnLst>
-                        <p:par>
-                          <p:cTn id="44" fill="hold">
-                            <p:stCondLst>
-                              <p:cond delay="0"/>
-                            </p:stCondLst>
-                            <p:childTnLst>
-                              <p:par>
-                                <p:cTn id="45" presetID="1" presetClass="entr" presetSubtype="0" fill="hold" nodeType="clickEffect">
-                                  <p:stCondLst>
-                                    <p:cond delay="0"/>
-                                  </p:stCondLst>
-                                  <p:childTnLst>
-                                    <p:set>
-                                      <p:cBhvr>
-                                        <p:cTn id="46" dur="1" fill="hold">
-                                          <p:stCondLst>
-                                            <p:cond delay="0"/>
-                                          </p:stCondLst>
-                                        </p:cTn>
-                                        <p:tgtEl>
-                                          <p:spTgt spid="605">
-                                            <p:txEl>
-                                              <p:pRg st="10" end="10"/>
-                                            </p:txEl>
-                                          </p:spTgt>
-                                        </p:tgtEl>
-                                        <p:attrNameLst>
-                                          <p:attrName>style.visibility</p:attrName>
-                                        </p:attrNameLst>
-                                      </p:cBhvr>
-                                      <p:to>
-                                        <p:strVal val="visible"/>
-                                      </p:to>
-                                    </p:set>
-                                  </p:childTnLst>
-                                </p:cTn>
-                              </p:par>
-                            </p:childTnLst>
-                          </p:cTn>
-                        </p:par>
-                      </p:childTnLst>
-                    </p:cTn>
-                  </p:par>
-                  <p:par>
-                    <p:cTn id="47" fill="hold">
-                      <p:stCondLst>
-                        <p:cond delay="indefinite"/>
-                      </p:stCondLst>
-                      <p:childTnLst>
-                        <p:par>
-                          <p:cTn id="48" fill="hold">
-                            <p:stCondLst>
-                              <p:cond delay="0"/>
-                            </p:stCondLst>
-                            <p:childTnLst>
-                              <p:par>
-                                <p:cTn id="49" presetID="1" presetClass="entr" presetSubtype="0" fill="hold" nodeType="clickEffect">
-                                  <p:stCondLst>
-                                    <p:cond delay="0"/>
-                                  </p:stCondLst>
-                                  <p:childTnLst>
-                                    <p:set>
-                                      <p:cBhvr>
-                                        <p:cTn id="50" dur="1" fill="hold">
                                           <p:stCondLst>
                                             <p:cond delay="0"/>
                                           </p:stCondLst>
